--- a/PowerPoint/themes/new.pptx
+++ b/PowerPoint/themes/new.pptx
@@ -2,7 +2,7 @@
 <file path=ppt/presentation.xml><?xml version="1.0" encoding="utf-8"?>
 <p:presentation xmlns:a="http://schemas.openxmlformats.org/drawingml/2006/main" xmlns:r="http://schemas.openxmlformats.org/officeDocument/2006/relationships" xmlns:p="http://schemas.openxmlformats.org/presentationml/2006/main" saveSubsetFonts="1">
   <p:sldMasterIdLst>
-    <p:sldMasterId id="2147483660" r:id="rId1"/>
+    <p:sldMasterId id="2147483672" r:id="rId1"/>
   </p:sldMasterIdLst>
   <p:notesMasterIdLst>
     <p:notesMasterId r:id="rId3"/>
@@ -10,7 +10,7 @@
   <p:sldIdLst>
     <p:sldId id="256" r:id="rId2"/>
   </p:sldIdLst>
-  <p:sldSz cx="9144000" cy="6858000" type="screen4x3"/>
+  <p:sldSz cx="12192000" cy="6858000"/>
   <p:notesSz cx="6858000" cy="9144000"/>
   <p:defaultTextStyle>
     <a:defPPr>
@@ -111,6 +111,9 @@
     <p:ext uri="{EFAFB233-063F-42B5-8137-9DF3F51BA10A}">
       <p15:sldGuideLst xmlns:p15="http://schemas.microsoft.com/office/powerpoint/2012/main"/>
     </p:ext>
+    <p:ext uri="{2D200454-40CA-4A62-9FC3-DE9A4176ACB9}">
+      <p15:notesGuideLst xmlns:p15="http://schemas.microsoft.com/office/powerpoint/2012/main"/>
+    </p:ext>
   </p:extLst>
 </p:presentation>
 </file>
@@ -197,7 +200,7 @@
           <a:p>
             <a:fld id="{3632E96E-41F7-40C5-8419-297958CC00FA}" type="datetimeFigureOut">
               <a:rPr lang="en-US" smtClean="0"/>
-              <a:t>12/8/2012</a:t>
+              <a:t>10/30/2013</a:t>
             </a:fld>
             <a:endParaRPr lang="en-US"/>
           </a:p>
@@ -215,8 +218,8 @@
         </p:nvSpPr>
         <p:spPr>
           <a:xfrm>
-            <a:off x="1371600" y="1143000"/>
-            <a:ext cx="4114800" cy="3086100"/>
+            <a:off x="685800" y="1143000"/>
+            <a:ext cx="5486400" cy="3086100"/>
           </a:xfrm>
           <a:prstGeom prst="rect">
             <a:avLst/>
@@ -492,7 +495,12 @@
             <p:ph type="sldImg"/>
           </p:nvPr>
         </p:nvSpPr>
-        <p:spPr/>
+        <p:spPr>
+          <a:xfrm>
+            <a:off x="685800" y="1143000"/>
+            <a:ext cx="5486400" cy="3086100"/>
+          </a:xfrm>
+        </p:spPr>
       </p:sp>
       <p:sp>
         <p:nvSpPr>
@@ -581,14 +589,12 @@
         </p:nvSpPr>
         <p:spPr>
           <a:xfrm>
-            <a:off x="685800" y="1124530"/>
-            <a:ext cx="7772400" cy="2387600"/>
+            <a:off x="1524000" y="1122363"/>
+            <a:ext cx="9144000" cy="2387600"/>
           </a:xfrm>
         </p:spPr>
         <p:txBody>
-          <a:bodyPr anchor="b">
-            <a:normAutofit/>
-          </a:bodyPr>
+          <a:bodyPr anchor="b"/>
           <a:lstStyle>
             <a:lvl1pPr algn="ctr">
               <a:defRPr sz="6000"/>
@@ -596,7 +602,7 @@
           </a:lstStyle>
           <a:p>
             <a:r>
-              <a:rPr lang="en-US" dirty="0" smtClean="0"/>
+              <a:rPr lang="en-US" smtClean="0"/>
               <a:t>Click to edit Master title style</a:t>
             </a:r>
             <a:endParaRPr lang="en-US" dirty="0"/>
@@ -615,57 +621,48 @@
         </p:nvSpPr>
         <p:spPr>
           <a:xfrm>
-            <a:off x="1143000" y="3602038"/>
-            <a:ext cx="6858000" cy="1655762"/>
+            <a:off x="1524000" y="3602038"/>
+            <a:ext cx="9144000" cy="1655762"/>
           </a:xfrm>
         </p:spPr>
         <p:txBody>
-          <a:bodyPr>
-            <a:normAutofit/>
-          </a:bodyPr>
+          <a:bodyPr/>
           <a:lstStyle>
             <a:lvl1pPr marL="0" indent="0" algn="ctr">
               <a:buNone/>
-              <a:defRPr sz="2400">
-                <a:solidFill>
-                  <a:schemeClr val="tx1">
-                    <a:lumMod val="75000"/>
-                    <a:lumOff val="25000"/>
-                  </a:schemeClr>
-                </a:solidFill>
-              </a:defRPr>
+              <a:defRPr sz="2400"/>
             </a:lvl1pPr>
             <a:lvl2pPr marL="457200" indent="0" algn="ctr">
               <a:buNone/>
-              <a:defRPr sz="2800"/>
+              <a:defRPr sz="2000"/>
             </a:lvl2pPr>
             <a:lvl3pPr marL="914400" indent="0" algn="ctr">
               <a:buNone/>
-              <a:defRPr sz="2400"/>
+              <a:defRPr sz="1800"/>
             </a:lvl3pPr>
             <a:lvl4pPr marL="1371600" indent="0" algn="ctr">
               <a:buNone/>
-              <a:defRPr sz="2000"/>
+              <a:defRPr sz="1600"/>
             </a:lvl4pPr>
             <a:lvl5pPr marL="1828800" indent="0" algn="ctr">
               <a:buNone/>
-              <a:defRPr sz="2000"/>
+              <a:defRPr sz="1600"/>
             </a:lvl5pPr>
             <a:lvl6pPr marL="2286000" indent="0" algn="ctr">
               <a:buNone/>
-              <a:defRPr sz="2000"/>
+              <a:defRPr sz="1600"/>
             </a:lvl6pPr>
             <a:lvl7pPr marL="2743200" indent="0" algn="ctr">
               <a:buNone/>
-              <a:defRPr sz="2000"/>
+              <a:defRPr sz="1600"/>
             </a:lvl7pPr>
             <a:lvl8pPr marL="3200400" indent="0" algn="ctr">
               <a:buNone/>
-              <a:defRPr sz="2000"/>
+              <a:defRPr sz="1600"/>
             </a:lvl8pPr>
             <a:lvl9pPr marL="3657600" indent="0" algn="ctr">
               <a:buNone/>
-              <a:defRPr sz="2000"/>
+              <a:defRPr sz="1600"/>
             </a:lvl9pPr>
           </a:lstStyle>
           <a:p>
@@ -694,7 +691,7 @@
           <a:p>
             <a:fld id="{BCC18F51-09EC-435C-A3BA-64A766E099C0}" type="datetimeFigureOut">
               <a:rPr lang="ru-RU" smtClean="0"/>
-              <a:t>08.12.2012</a:t>
+              <a:t>30.10.2013</a:t>
             </a:fld>
             <a:endParaRPr lang="ru-RU"/>
           </a:p>
@@ -745,7 +742,7 @@
     </p:spTree>
     <p:extLst>
       <p:ext uri="{BB962C8B-B14F-4D97-AF65-F5344CB8AC3E}">
-        <p14:creationId xmlns:p14="http://schemas.microsoft.com/office/powerpoint/2010/main" val="3639369375"/>
+        <p14:creationId xmlns:p14="http://schemas.microsoft.com/office/powerpoint/2010/main" val="2520518546"/>
       </p:ext>
     </p:extLst>
   </p:cSld>
@@ -791,7 +788,7 @@
               <a:rPr lang="en-US" smtClean="0"/>
               <a:t>Click to edit Master title style</a:t>
             </a:r>
-            <a:endParaRPr lang="en-US"/>
+            <a:endParaRPr lang="en-US" dirty="0"/>
           </a:p>
         </p:txBody>
       </p:sp>
@@ -805,12 +802,7 @@
             <p:ph type="body" orient="vert" idx="1"/>
           </p:nvPr>
         </p:nvSpPr>
-        <p:spPr>
-          <a:xfrm>
-            <a:off x="685799" y="1828802"/>
-            <a:ext cx="7772401" cy="4351336"/>
-          </a:xfrm>
-        </p:spPr>
+        <p:spPr/>
         <p:txBody>
           <a:bodyPr vert="eaVert"/>
           <a:lstStyle/>
@@ -869,7 +861,7 @@
           <a:p>
             <a:fld id="{BCC18F51-09EC-435C-A3BA-64A766E099C0}" type="datetimeFigureOut">
               <a:rPr lang="ru-RU" smtClean="0"/>
-              <a:t>08.12.2012</a:t>
+              <a:t>30.10.2013</a:t>
             </a:fld>
             <a:endParaRPr lang="ru-RU"/>
           </a:p>
@@ -920,7 +912,7 @@
     </p:spTree>
     <p:extLst>
       <p:ext uri="{BB962C8B-B14F-4D97-AF65-F5344CB8AC3E}">
-        <p14:creationId xmlns:p14="http://schemas.microsoft.com/office/powerpoint/2010/main" val="1868163890"/>
+        <p14:creationId xmlns:p14="http://schemas.microsoft.com/office/powerpoint/2010/main" val="2377304659"/>
       </p:ext>
     </p:extLst>
   </p:cSld>
@@ -959,8 +951,8 @@
         </p:nvSpPr>
         <p:spPr>
           <a:xfrm>
-            <a:off x="6543675" y="360362"/>
-            <a:ext cx="1914525" cy="5811838"/>
+            <a:off x="8724900" y="365125"/>
+            <a:ext cx="2628900" cy="5811838"/>
           </a:xfrm>
         </p:spPr>
         <p:txBody>
@@ -971,7 +963,7 @@
               <a:rPr lang="en-US" smtClean="0"/>
               <a:t>Click to edit Master title style</a:t>
             </a:r>
-            <a:endParaRPr lang="en-US"/>
+            <a:endParaRPr lang="en-US" dirty="0"/>
           </a:p>
         </p:txBody>
       </p:sp>
@@ -987,8 +979,8 @@
         </p:nvSpPr>
         <p:spPr>
           <a:xfrm>
-            <a:off x="685799" y="360364"/>
-            <a:ext cx="5743576" cy="5811836"/>
+            <a:off x="838200" y="365125"/>
+            <a:ext cx="7734300" cy="5811838"/>
           </a:xfrm>
         </p:spPr>
         <p:txBody>
@@ -1028,7 +1020,7 @@
               <a:rPr lang="en-US" smtClean="0"/>
               <a:t>Fifth level</a:t>
             </a:r>
-            <a:endParaRPr lang="en-US"/>
+            <a:endParaRPr lang="en-US" dirty="0"/>
           </a:p>
         </p:txBody>
       </p:sp>
@@ -1049,7 +1041,7 @@
           <a:p>
             <a:fld id="{BCC18F51-09EC-435C-A3BA-64A766E099C0}" type="datetimeFigureOut">
               <a:rPr lang="ru-RU" smtClean="0"/>
-              <a:t>08.12.2012</a:t>
+              <a:t>30.10.2013</a:t>
             </a:fld>
             <a:endParaRPr lang="ru-RU"/>
           </a:p>
@@ -1100,7 +1092,7 @@
     </p:spTree>
     <p:extLst>
       <p:ext uri="{BB962C8B-B14F-4D97-AF65-F5344CB8AC3E}">
-        <p14:creationId xmlns:p14="http://schemas.microsoft.com/office/powerpoint/2010/main" val="2440077954"/>
+        <p14:creationId xmlns:p14="http://schemas.microsoft.com/office/powerpoint/2010/main" val="4161801277"/>
       </p:ext>
     </p:extLst>
   </p:cSld>
@@ -1143,7 +1135,7 @@
           <a:lstStyle/>
           <a:p>
             <a:r>
-              <a:rPr lang="en-US" dirty="0" smtClean="0"/>
+              <a:rPr lang="en-US" smtClean="0"/>
               <a:t>Click to edit Master title style</a:t>
             </a:r>
             <a:endParaRPr lang="en-US" dirty="0"/>
@@ -1167,35 +1159,35 @@
           <a:p>
             <a:pPr lvl="0"/>
             <a:r>
-              <a:rPr lang="en-US" dirty="0" smtClean="0"/>
+              <a:rPr lang="en-US" smtClean="0"/>
               <a:t>Click to edit Master text styles</a:t>
             </a:r>
           </a:p>
           <a:p>
             <a:pPr lvl="1"/>
             <a:r>
-              <a:rPr lang="en-US" dirty="0" smtClean="0"/>
+              <a:rPr lang="en-US" smtClean="0"/>
               <a:t>Second level</a:t>
             </a:r>
           </a:p>
           <a:p>
             <a:pPr lvl="2"/>
             <a:r>
-              <a:rPr lang="en-US" dirty="0" smtClean="0"/>
+              <a:rPr lang="en-US" smtClean="0"/>
               <a:t>Third level</a:t>
             </a:r>
           </a:p>
           <a:p>
             <a:pPr lvl="3"/>
             <a:r>
-              <a:rPr lang="en-US" dirty="0" smtClean="0"/>
+              <a:rPr lang="en-US" smtClean="0"/>
               <a:t>Fourth level</a:t>
             </a:r>
           </a:p>
           <a:p>
             <a:pPr lvl="4"/>
             <a:r>
-              <a:rPr lang="en-US" dirty="0" smtClean="0"/>
+              <a:rPr lang="en-US" smtClean="0"/>
               <a:t>Fifth level</a:t>
             </a:r>
             <a:endParaRPr lang="en-US" dirty="0"/>
@@ -1219,7 +1211,7 @@
           <a:p>
             <a:fld id="{BCC18F51-09EC-435C-A3BA-64A766E099C0}" type="datetimeFigureOut">
               <a:rPr lang="ru-RU" smtClean="0"/>
-              <a:t>08.12.2012</a:t>
+              <a:t>30.10.2013</a:t>
             </a:fld>
             <a:endParaRPr lang="ru-RU"/>
           </a:p>
@@ -1270,7 +1262,7 @@
     </p:spTree>
     <p:extLst>
       <p:ext uri="{BB962C8B-B14F-4D97-AF65-F5344CB8AC3E}">
-        <p14:creationId xmlns:p14="http://schemas.microsoft.com/office/powerpoint/2010/main" val="3524840933"/>
+        <p14:creationId xmlns:p14="http://schemas.microsoft.com/office/powerpoint/2010/main" val="2960619921"/>
       </p:ext>
     </p:extLst>
   </p:cSld>
@@ -1309,17 +1301,15 @@
         </p:nvSpPr>
         <p:spPr>
           <a:xfrm>
-            <a:off x="685800" y="1712423"/>
-            <a:ext cx="7772400" cy="2851208"/>
+            <a:off x="831850" y="1709738"/>
+            <a:ext cx="10515600" cy="2852737"/>
           </a:xfrm>
         </p:spPr>
         <p:txBody>
-          <a:bodyPr anchor="b">
-            <a:normAutofit/>
-          </a:bodyPr>
+          <a:bodyPr anchor="b"/>
           <a:lstStyle>
             <a:lvl1pPr>
-              <a:defRPr sz="6000" b="0"/>
+              <a:defRPr sz="6000"/>
             </a:lvl1pPr>
           </a:lstStyle>
           <a:p>
@@ -1343,29 +1333,26 @@
         </p:nvSpPr>
         <p:spPr>
           <a:xfrm>
-            <a:off x="685800" y="4552634"/>
-            <a:ext cx="7772400" cy="1500187"/>
+            <a:off x="831850" y="4589463"/>
+            <a:ext cx="10515600" cy="1500187"/>
           </a:xfrm>
         </p:spPr>
         <p:txBody>
-          <a:bodyPr anchor="t">
-            <a:normAutofit/>
-          </a:bodyPr>
+          <a:bodyPr/>
           <a:lstStyle>
             <a:lvl1pPr marL="0" indent="0">
               <a:buNone/>
               <a:defRPr sz="2400">
                 <a:solidFill>
                   <a:schemeClr val="tx1">
-                    <a:lumMod val="75000"/>
-                    <a:lumOff val="25000"/>
+                    <a:tint val="75000"/>
                   </a:schemeClr>
                 </a:solidFill>
               </a:defRPr>
             </a:lvl1pPr>
             <a:lvl2pPr marL="457200" indent="0">
               <a:buNone/>
-              <a:defRPr sz="1800">
+              <a:defRPr sz="2000">
                 <a:solidFill>
                   <a:schemeClr val="tx1">
                     <a:tint val="75000"/>
@@ -1375,7 +1362,7 @@
             </a:lvl2pPr>
             <a:lvl3pPr marL="914400" indent="0">
               <a:buNone/>
-              <a:defRPr sz="1600">
+              <a:defRPr sz="1800">
                 <a:solidFill>
                   <a:schemeClr val="tx1">
                     <a:tint val="75000"/>
@@ -1385,7 +1372,7 @@
             </a:lvl3pPr>
             <a:lvl4pPr marL="1371600" indent="0">
               <a:buNone/>
-              <a:defRPr sz="1400">
+              <a:defRPr sz="1600">
                 <a:solidFill>
                   <a:schemeClr val="tx1">
                     <a:tint val="75000"/>
@@ -1395,7 +1382,7 @@
             </a:lvl4pPr>
             <a:lvl5pPr marL="1828800" indent="0">
               <a:buNone/>
-              <a:defRPr sz="1400">
+              <a:defRPr sz="1600">
                 <a:solidFill>
                   <a:schemeClr val="tx1">
                     <a:tint val="75000"/>
@@ -1405,7 +1392,7 @@
             </a:lvl5pPr>
             <a:lvl6pPr marL="2286000" indent="0">
               <a:buNone/>
-              <a:defRPr sz="1400">
+              <a:defRPr sz="1600">
                 <a:solidFill>
                   <a:schemeClr val="tx1">
                     <a:tint val="75000"/>
@@ -1415,7 +1402,7 @@
             </a:lvl6pPr>
             <a:lvl7pPr marL="2743200" indent="0">
               <a:buNone/>
-              <a:defRPr sz="1400">
+              <a:defRPr sz="1600">
                 <a:solidFill>
                   <a:schemeClr val="tx1">
                     <a:tint val="75000"/>
@@ -1425,7 +1412,7 @@
             </a:lvl7pPr>
             <a:lvl8pPr marL="3200400" indent="0">
               <a:buNone/>
-              <a:defRPr sz="1400">
+              <a:defRPr sz="1600">
                 <a:solidFill>
                   <a:schemeClr val="tx1">
                     <a:tint val="75000"/>
@@ -1435,7 +1422,7 @@
             </a:lvl8pPr>
             <a:lvl9pPr marL="3657600" indent="0">
               <a:buNone/>
-              <a:defRPr sz="1400">
+              <a:defRPr sz="1600">
                 <a:solidFill>
                   <a:schemeClr val="tx1">
                     <a:tint val="75000"/>
@@ -1470,7 +1457,7 @@
           <a:p>
             <a:fld id="{BCC18F51-09EC-435C-A3BA-64A766E099C0}" type="datetimeFigureOut">
               <a:rPr lang="ru-RU" smtClean="0"/>
-              <a:t>08.12.2012</a:t>
+              <a:t>30.10.2013</a:t>
             </a:fld>
             <a:endParaRPr lang="ru-RU"/>
           </a:p>
@@ -1521,7 +1508,7 @@
     </p:spTree>
     <p:extLst>
       <p:ext uri="{BB962C8B-B14F-4D97-AF65-F5344CB8AC3E}">
-        <p14:creationId xmlns:p14="http://schemas.microsoft.com/office/powerpoint/2010/main" val="3300737387"/>
+        <p14:creationId xmlns:p14="http://schemas.microsoft.com/office/powerpoint/2010/main" val="2072125890"/>
       </p:ext>
     </p:extLst>
   </p:cSld>
@@ -1583,8 +1570,8 @@
         </p:nvSpPr>
         <p:spPr>
           <a:xfrm>
-            <a:off x="685799" y="1828801"/>
-            <a:ext cx="3834246" cy="4351337"/>
+            <a:off x="838200" y="1825625"/>
+            <a:ext cx="5181600" cy="4351338"/>
           </a:xfrm>
         </p:spPr>
         <p:txBody>
@@ -1640,8 +1627,8 @@
         </p:nvSpPr>
         <p:spPr>
           <a:xfrm>
-            <a:off x="4629150" y="1828801"/>
-            <a:ext cx="3829050" cy="4351337"/>
+            <a:off x="6172200" y="1825625"/>
+            <a:ext cx="5181600" cy="4351338"/>
           </a:xfrm>
         </p:spPr>
         <p:txBody>
@@ -1702,7 +1689,7 @@
           <a:p>
             <a:fld id="{BCC18F51-09EC-435C-A3BA-64A766E099C0}" type="datetimeFigureOut">
               <a:rPr lang="ru-RU" smtClean="0"/>
-              <a:t>08.12.2012</a:t>
+              <a:t>30.10.2013</a:t>
             </a:fld>
             <a:endParaRPr lang="ru-RU"/>
           </a:p>
@@ -1753,7 +1740,7 @@
     </p:spTree>
     <p:extLst>
       <p:ext uri="{BB962C8B-B14F-4D97-AF65-F5344CB8AC3E}">
-        <p14:creationId xmlns:p14="http://schemas.microsoft.com/office/powerpoint/2010/main" val="3947590663"/>
+        <p14:creationId xmlns:p14="http://schemas.microsoft.com/office/powerpoint/2010/main" val="4243403397"/>
       </p:ext>
     </p:extLst>
   </p:cSld>
@@ -1782,29 +1769,52 @@
       </p:grpSpPr>
       <p:sp>
         <p:nvSpPr>
-          <p:cNvPr id="3" name="Text Placeholder 2"/>
-          <p:cNvSpPr>
-            <a:spLocks noGrp="1"/>
-          </p:cNvSpPr>
-          <p:nvPr>
-            <p:ph type="body" idx="1"/>
+          <p:cNvPr id="2" name="Title 1"/>
+          <p:cNvSpPr>
+            <a:spLocks noGrp="1"/>
+          </p:cNvSpPr>
+          <p:nvPr>
+            <p:ph type="title"/>
           </p:nvPr>
         </p:nvSpPr>
         <p:spPr>
           <a:xfrm>
-            <a:off x="685799" y="1681851"/>
-            <a:ext cx="3815196" cy="825699"/>
+            <a:off x="839788" y="365125"/>
+            <a:ext cx="10515600" cy="1325563"/>
           </a:xfrm>
         </p:spPr>
         <p:txBody>
-          <a:bodyPr anchor="b">
-            <a:normAutofit/>
-          </a:bodyPr>
+          <a:bodyPr/>
+          <a:lstStyle/>
+          <a:p>
+            <a:r>
+              <a:rPr lang="en-US" smtClean="0"/>
+              <a:t>Click to edit Master title style</a:t>
+            </a:r>
+            <a:endParaRPr lang="en-US" dirty="0"/>
+          </a:p>
+        </p:txBody>
+      </p:sp>
+      <p:sp>
+        <p:nvSpPr>
+          <p:cNvPr id="3" name="Text Placeholder 2"/>
+          <p:cNvSpPr>
+            <a:spLocks noGrp="1"/>
+          </p:cNvSpPr>
+          <p:nvPr>
+            <p:ph type="body" idx="1"/>
+          </p:nvPr>
+        </p:nvSpPr>
+        <p:spPr>
+          <a:xfrm>
+            <a:off x="839788" y="1681163"/>
+            <a:ext cx="5157787" cy="823912"/>
+          </a:xfrm>
+        </p:spPr>
+        <p:txBody>
+          <a:bodyPr anchor="b"/>
           <a:lstStyle>
             <a:lvl1pPr marL="0" indent="0">
-              <a:spcBef>
-                <a:spcPts val="0"/>
-              </a:spcBef>
               <a:buNone/>
               <a:defRPr sz="2400" b="1"/>
             </a:lvl1pPr>
@@ -1862,8 +1872,8 @@
         </p:nvSpPr>
         <p:spPr>
           <a:xfrm>
-            <a:off x="685799" y="2507551"/>
-            <a:ext cx="3815196" cy="3680525"/>
+            <a:off x="839788" y="2505075"/>
+            <a:ext cx="5157787" cy="3684588"/>
           </a:xfrm>
         </p:spPr>
         <p:txBody>
@@ -1919,17 +1929,14 @@
         </p:nvSpPr>
         <p:spPr>
           <a:xfrm>
-            <a:off x="4629151" y="1681851"/>
-            <a:ext cx="3829050" cy="825698"/>
+            <a:off x="6172200" y="1681163"/>
+            <a:ext cx="5183188" cy="823912"/>
           </a:xfrm>
         </p:spPr>
         <p:txBody>
           <a:bodyPr anchor="b"/>
           <a:lstStyle>
             <a:lvl1pPr marL="0" indent="0">
-              <a:spcBef>
-                <a:spcPts val="0"/>
-              </a:spcBef>
               <a:buNone/>
               <a:defRPr sz="2400" b="1"/>
             </a:lvl1pPr>
@@ -1987,8 +1994,8 @@
         </p:nvSpPr>
         <p:spPr>
           <a:xfrm>
-            <a:off x="4629151" y="2507551"/>
-            <a:ext cx="3829050" cy="3680525"/>
+            <a:off x="6172200" y="2505075"/>
+            <a:ext cx="5183188" cy="3684588"/>
           </a:xfrm>
         </p:spPr>
         <p:txBody>
@@ -2028,7 +2035,7 @@
               <a:rPr lang="en-US" smtClean="0"/>
               <a:t>Fifth level</a:t>
             </a:r>
-            <a:endParaRPr lang="en-US"/>
+            <a:endParaRPr lang="en-US" dirty="0"/>
           </a:p>
         </p:txBody>
       </p:sp>
@@ -2049,7 +2056,7 @@
           <a:p>
             <a:fld id="{BCC18F51-09EC-435C-A3BA-64A766E099C0}" type="datetimeFigureOut">
               <a:rPr lang="ru-RU" smtClean="0"/>
-              <a:t>08.12.2012</a:t>
+              <a:t>30.10.2013</a:t>
             </a:fld>
             <a:endParaRPr lang="ru-RU"/>
           </a:p>
@@ -2097,33 +2104,10 @@
           </a:p>
         </p:txBody>
       </p:sp>
-      <p:sp>
-        <p:nvSpPr>
-          <p:cNvPr id="10" name="Title 9"/>
-          <p:cNvSpPr>
-            <a:spLocks noGrp="1"/>
-          </p:cNvSpPr>
-          <p:nvPr>
-            <p:ph type="title"/>
-          </p:nvPr>
-        </p:nvSpPr>
-        <p:spPr/>
-        <p:txBody>
-          <a:bodyPr/>
-          <a:lstStyle/>
-          <a:p>
-            <a:r>
-              <a:rPr lang="en-US" smtClean="0"/>
-              <a:t>Click to edit Master title style</a:t>
-            </a:r>
-            <a:endParaRPr lang="en-US" dirty="0"/>
-          </a:p>
-        </p:txBody>
-      </p:sp>
     </p:spTree>
     <p:extLst>
       <p:ext uri="{BB962C8B-B14F-4D97-AF65-F5344CB8AC3E}">
-        <p14:creationId xmlns:p14="http://schemas.microsoft.com/office/powerpoint/2010/main" val="635321220"/>
+        <p14:creationId xmlns:p14="http://schemas.microsoft.com/office/powerpoint/2010/main" val="3953759558"/>
       </p:ext>
     </p:extLst>
   </p:cSld>
@@ -2152,6 +2136,29 @@
       </p:grpSpPr>
       <p:sp>
         <p:nvSpPr>
+          <p:cNvPr id="2" name="Title 1"/>
+          <p:cNvSpPr>
+            <a:spLocks noGrp="1"/>
+          </p:cNvSpPr>
+          <p:nvPr>
+            <p:ph type="title"/>
+          </p:nvPr>
+        </p:nvSpPr>
+        <p:spPr/>
+        <p:txBody>
+          <a:bodyPr/>
+          <a:lstStyle/>
+          <a:p>
+            <a:r>
+              <a:rPr lang="en-US" smtClean="0"/>
+              <a:t>Click to edit Master title style</a:t>
+            </a:r>
+            <a:endParaRPr lang="en-US" dirty="0"/>
+          </a:p>
+        </p:txBody>
+      </p:sp>
+      <p:sp>
+        <p:nvSpPr>
           <p:cNvPr id="3" name="Date Placeholder 2"/>
           <p:cNvSpPr>
             <a:spLocks noGrp="1"/>
@@ -2167,7 +2174,7 @@
           <a:p>
             <a:fld id="{BCC18F51-09EC-435C-A3BA-64A766E099C0}" type="datetimeFigureOut">
               <a:rPr lang="ru-RU" smtClean="0"/>
-              <a:t>08.12.2012</a:t>
+              <a:t>30.10.2013</a:t>
             </a:fld>
             <a:endParaRPr lang="ru-RU"/>
           </a:p>
@@ -2215,33 +2222,10 @@
           </a:p>
         </p:txBody>
       </p:sp>
-      <p:sp>
-        <p:nvSpPr>
-          <p:cNvPr id="6" name="Title 5"/>
-          <p:cNvSpPr>
-            <a:spLocks noGrp="1"/>
-          </p:cNvSpPr>
-          <p:nvPr>
-            <p:ph type="title"/>
-          </p:nvPr>
-        </p:nvSpPr>
-        <p:spPr/>
-        <p:txBody>
-          <a:bodyPr/>
-          <a:lstStyle/>
-          <a:p>
-            <a:r>
-              <a:rPr lang="en-US" smtClean="0"/>
-              <a:t>Click to edit Master title style</a:t>
-            </a:r>
-            <a:endParaRPr lang="en-US"/>
-          </a:p>
-        </p:txBody>
-      </p:sp>
     </p:spTree>
     <p:extLst>
       <p:ext uri="{BB962C8B-B14F-4D97-AF65-F5344CB8AC3E}">
-        <p14:creationId xmlns:p14="http://schemas.microsoft.com/office/powerpoint/2010/main" val="4097897669"/>
+        <p14:creationId xmlns:p14="http://schemas.microsoft.com/office/powerpoint/2010/main" val="3815284972"/>
       </p:ext>
     </p:extLst>
   </p:cSld>
@@ -2285,7 +2269,7 @@
           <a:p>
             <a:fld id="{BCC18F51-09EC-435C-A3BA-64A766E099C0}" type="datetimeFigureOut">
               <a:rPr lang="ru-RU" smtClean="0"/>
-              <a:t>08.12.2012</a:t>
+              <a:t>30.10.2013</a:t>
             </a:fld>
             <a:endParaRPr lang="ru-RU"/>
           </a:p>
@@ -2336,7 +2320,7 @@
     </p:spTree>
     <p:extLst>
       <p:ext uri="{BB962C8B-B14F-4D97-AF65-F5344CB8AC3E}">
-        <p14:creationId xmlns:p14="http://schemas.microsoft.com/office/powerpoint/2010/main" val="2691378670"/>
+        <p14:creationId xmlns:p14="http://schemas.microsoft.com/office/powerpoint/2010/main" val="3035599116"/>
       </p:ext>
     </p:extLst>
   </p:cSld>
@@ -2375,17 +2359,15 @@
         </p:nvSpPr>
         <p:spPr>
           <a:xfrm>
-            <a:off x="630936" y="457201"/>
-            <a:ext cx="2948940" cy="1600197"/>
+            <a:off x="839788" y="457200"/>
+            <a:ext cx="3932237" cy="1600200"/>
           </a:xfrm>
         </p:spPr>
         <p:txBody>
-          <a:bodyPr anchor="b">
-            <a:normAutofit/>
-          </a:bodyPr>
+          <a:bodyPr anchor="b"/>
           <a:lstStyle>
             <a:lvl1pPr>
-              <a:defRPr sz="3200" b="0"/>
+              <a:defRPr sz="3200"/>
             </a:lvl1pPr>
           </a:lstStyle>
           <a:p>
@@ -2409,8 +2391,8 @@
         </p:nvSpPr>
         <p:spPr>
           <a:xfrm>
-            <a:off x="3886200" y="990600"/>
-            <a:ext cx="4629150" cy="4876800"/>
+            <a:off x="5183188" y="987425"/>
+            <a:ext cx="6172200" cy="4873625"/>
           </a:xfrm>
         </p:spPr>
         <p:txBody>
@@ -2494,53 +2476,48 @@
         </p:nvSpPr>
         <p:spPr>
           <a:xfrm>
-            <a:off x="630936" y="2057399"/>
-            <a:ext cx="2948940" cy="3810001"/>
+            <a:off x="839788" y="2057400"/>
+            <a:ext cx="3932237" cy="3811588"/>
           </a:xfrm>
         </p:spPr>
         <p:txBody>
-          <a:bodyPr>
-            <a:normAutofit/>
-          </a:bodyPr>
+          <a:bodyPr/>
           <a:lstStyle>
             <a:lvl1pPr marL="0" indent="0">
-              <a:lnSpc>
-                <a:spcPct val="90000"/>
-              </a:lnSpc>
               <a:buNone/>
               <a:defRPr sz="1600"/>
             </a:lvl1pPr>
             <a:lvl2pPr marL="457200" indent="0">
               <a:buNone/>
-              <a:defRPr sz="1200"/>
+              <a:defRPr sz="1400"/>
             </a:lvl2pPr>
             <a:lvl3pPr marL="914400" indent="0">
               <a:buNone/>
-              <a:defRPr sz="1000"/>
+              <a:defRPr sz="1200"/>
             </a:lvl3pPr>
             <a:lvl4pPr marL="1371600" indent="0">
               <a:buNone/>
-              <a:defRPr sz="900"/>
+              <a:defRPr sz="1000"/>
             </a:lvl4pPr>
             <a:lvl5pPr marL="1828800" indent="0">
               <a:buNone/>
-              <a:defRPr sz="900"/>
+              <a:defRPr sz="1000"/>
             </a:lvl5pPr>
             <a:lvl6pPr marL="2286000" indent="0">
               <a:buNone/>
-              <a:defRPr sz="900"/>
+              <a:defRPr sz="1000"/>
             </a:lvl6pPr>
             <a:lvl7pPr marL="2743200" indent="0">
               <a:buNone/>
-              <a:defRPr sz="900"/>
+              <a:defRPr sz="1000"/>
             </a:lvl7pPr>
             <a:lvl8pPr marL="3200400" indent="0">
               <a:buNone/>
-              <a:defRPr sz="900"/>
+              <a:defRPr sz="1000"/>
             </a:lvl8pPr>
             <a:lvl9pPr marL="3657600" indent="0">
               <a:buNone/>
-              <a:defRPr sz="900"/>
+              <a:defRPr sz="1000"/>
             </a:lvl9pPr>
           </a:lstStyle>
           <a:p>
@@ -2569,7 +2546,7 @@
           <a:p>
             <a:fld id="{BCC18F51-09EC-435C-A3BA-64A766E099C0}" type="datetimeFigureOut">
               <a:rPr lang="ru-RU" smtClean="0"/>
-              <a:t>08.12.2012</a:t>
+              <a:t>30.10.2013</a:t>
             </a:fld>
             <a:endParaRPr lang="ru-RU"/>
           </a:p>
@@ -2620,7 +2597,7 @@
     </p:spTree>
     <p:extLst>
       <p:ext uri="{BB962C8B-B14F-4D97-AF65-F5344CB8AC3E}">
-        <p14:creationId xmlns:p14="http://schemas.microsoft.com/office/powerpoint/2010/main" val="2115719970"/>
+        <p14:creationId xmlns:p14="http://schemas.microsoft.com/office/powerpoint/2010/main" val="1714960738"/>
       </p:ext>
     </p:extLst>
   </p:cSld>
@@ -2659,17 +2636,15 @@
         </p:nvSpPr>
         <p:spPr>
           <a:xfrm>
-            <a:off x="630936" y="457200"/>
-            <a:ext cx="2948940" cy="1600200"/>
+            <a:off x="839788" y="457200"/>
+            <a:ext cx="3932237" cy="1600200"/>
           </a:xfrm>
         </p:spPr>
         <p:txBody>
-          <a:bodyPr anchor="b">
-            <a:normAutofit/>
-          </a:bodyPr>
+          <a:bodyPr anchor="b"/>
           <a:lstStyle>
             <a:lvl1pPr>
-              <a:defRPr sz="3200" b="0"/>
+              <a:defRPr sz="3200"/>
             </a:lvl1pPr>
           </a:lstStyle>
           <a:p>
@@ -2685,7 +2660,7 @@
         <p:nvSpPr>
           <p:cNvPr id="3" name="Picture Placeholder 2"/>
           <p:cNvSpPr>
-            <a:spLocks noGrp="1"/>
+            <a:spLocks noGrp="1" noChangeAspect="1"/>
           </p:cNvSpPr>
           <p:nvPr>
             <p:ph type="pic" idx="1"/>
@@ -2693,12 +2668,12 @@
         </p:nvSpPr>
         <p:spPr>
           <a:xfrm>
-            <a:off x="3886200" y="990600"/>
-            <a:ext cx="4629150" cy="4876800"/>
+            <a:off x="5183188" y="987425"/>
+            <a:ext cx="6172200" cy="4873625"/>
           </a:xfrm>
         </p:spPr>
         <p:txBody>
-          <a:bodyPr/>
+          <a:bodyPr anchor="t"/>
           <a:lstStyle>
             <a:lvl1pPr marL="0" indent="0">
               <a:buNone/>
@@ -2758,53 +2733,48 @@
         </p:nvSpPr>
         <p:spPr>
           <a:xfrm>
-            <a:off x="630936" y="2057400"/>
-            <a:ext cx="2948940" cy="3810000"/>
+            <a:off x="839788" y="2057400"/>
+            <a:ext cx="3932237" cy="3811588"/>
           </a:xfrm>
         </p:spPr>
         <p:txBody>
-          <a:bodyPr>
-            <a:normAutofit/>
-          </a:bodyPr>
+          <a:bodyPr/>
           <a:lstStyle>
             <a:lvl1pPr marL="0" indent="0">
-              <a:lnSpc>
-                <a:spcPct val="90000"/>
-              </a:lnSpc>
               <a:buNone/>
               <a:defRPr sz="1600"/>
             </a:lvl1pPr>
             <a:lvl2pPr marL="457200" indent="0">
               <a:buNone/>
-              <a:defRPr sz="1200"/>
+              <a:defRPr sz="1400"/>
             </a:lvl2pPr>
             <a:lvl3pPr marL="914400" indent="0">
               <a:buNone/>
-              <a:defRPr sz="1000"/>
+              <a:defRPr sz="1200"/>
             </a:lvl3pPr>
             <a:lvl4pPr marL="1371600" indent="0">
               <a:buNone/>
-              <a:defRPr sz="900"/>
+              <a:defRPr sz="1000"/>
             </a:lvl4pPr>
             <a:lvl5pPr marL="1828800" indent="0">
               <a:buNone/>
-              <a:defRPr sz="900"/>
+              <a:defRPr sz="1000"/>
             </a:lvl5pPr>
             <a:lvl6pPr marL="2286000" indent="0">
               <a:buNone/>
-              <a:defRPr sz="900"/>
+              <a:defRPr sz="1000"/>
             </a:lvl6pPr>
             <a:lvl7pPr marL="2743200" indent="0">
               <a:buNone/>
-              <a:defRPr sz="900"/>
+              <a:defRPr sz="1000"/>
             </a:lvl7pPr>
             <a:lvl8pPr marL="3200400" indent="0">
               <a:buNone/>
-              <a:defRPr sz="900"/>
+              <a:defRPr sz="1000"/>
             </a:lvl8pPr>
             <a:lvl9pPr marL="3657600" indent="0">
               <a:buNone/>
-              <a:defRPr sz="900"/>
+              <a:defRPr sz="1000"/>
             </a:lvl9pPr>
           </a:lstStyle>
           <a:p>
@@ -2833,7 +2803,7 @@
           <a:p>
             <a:fld id="{BCC18F51-09EC-435C-A3BA-64A766E099C0}" type="datetimeFigureOut">
               <a:rPr lang="ru-RU" smtClean="0"/>
-              <a:t>08.12.2012</a:t>
+              <a:t>30.10.2013</a:t>
             </a:fld>
             <a:endParaRPr lang="ru-RU"/>
           </a:p>
@@ -2884,7 +2854,7 @@
     </p:spTree>
     <p:extLst>
       <p:ext uri="{BB962C8B-B14F-4D97-AF65-F5344CB8AC3E}">
-        <p14:creationId xmlns:p14="http://schemas.microsoft.com/office/powerpoint/2010/main" val="238053235"/>
+        <p14:creationId xmlns:p14="http://schemas.microsoft.com/office/powerpoint/2010/main" val="3255540774"/>
       </p:ext>
     </p:extLst>
   </p:cSld>
@@ -2928,8 +2898,8 @@
         </p:nvSpPr>
         <p:spPr>
           <a:xfrm>
-            <a:off x="685799" y="365760"/>
-            <a:ext cx="7772401" cy="1325562"/>
+            <a:off x="838200" y="365125"/>
+            <a:ext cx="10515600" cy="1325563"/>
           </a:xfrm>
           <a:prstGeom prst="rect">
             <a:avLst/>
@@ -2961,8 +2931,8 @@
         </p:nvSpPr>
         <p:spPr>
           <a:xfrm>
-            <a:off x="685799" y="1828801"/>
-            <a:ext cx="7772401" cy="4351337"/>
+            <a:off x="838200" y="1825625"/>
+            <a:ext cx="10515600" cy="4351338"/>
           </a:xfrm>
           <a:prstGeom prst="rect">
             <a:avLst/>
@@ -2976,35 +2946,35 @@
           <a:p>
             <a:pPr lvl="0"/>
             <a:r>
-              <a:rPr lang="en-US" dirty="0" smtClean="0"/>
+              <a:rPr lang="en-US" smtClean="0"/>
               <a:t>Click to edit Master text styles</a:t>
             </a:r>
           </a:p>
           <a:p>
             <a:pPr lvl="1"/>
             <a:r>
-              <a:rPr lang="en-US" dirty="0" smtClean="0"/>
+              <a:rPr lang="en-US" smtClean="0"/>
               <a:t>Second level</a:t>
             </a:r>
           </a:p>
           <a:p>
             <a:pPr lvl="2"/>
             <a:r>
-              <a:rPr lang="en-US" dirty="0" smtClean="0"/>
+              <a:rPr lang="en-US" smtClean="0"/>
               <a:t>Third level</a:t>
             </a:r>
           </a:p>
           <a:p>
             <a:pPr lvl="3"/>
             <a:r>
-              <a:rPr lang="en-US" dirty="0" smtClean="0"/>
+              <a:rPr lang="en-US" smtClean="0"/>
               <a:t>Fourth level</a:t>
             </a:r>
           </a:p>
           <a:p>
             <a:pPr lvl="4"/>
             <a:r>
-              <a:rPr lang="en-US" dirty="0" smtClean="0"/>
+              <a:rPr lang="en-US" smtClean="0"/>
               <a:t>Fifth level</a:t>
             </a:r>
             <a:endParaRPr lang="en-US" dirty="0"/>
@@ -3023,8 +2993,8 @@
         </p:nvSpPr>
         <p:spPr>
           <a:xfrm>
-            <a:off x="685799" y="6356351"/>
-            <a:ext cx="2057400" cy="365125"/>
+            <a:off x="838200" y="6356350"/>
+            <a:ext cx="2743200" cy="365125"/>
           </a:xfrm>
           <a:prstGeom prst="rect">
             <a:avLst/>
@@ -3034,87 +3004,7 @@
           <a:bodyPr vert="horz" lIns="91440" tIns="45720" rIns="91440" bIns="45720" rtlCol="0" anchor="ctr"/>
           <a:lstStyle>
             <a:lvl1pPr algn="l">
-              <a:defRPr sz="1100">
-                <a:solidFill>
-                  <a:schemeClr val="tx1">
-                    <a:lumMod val="65000"/>
-                    <a:lumOff val="35000"/>
-                  </a:schemeClr>
-                </a:solidFill>
-              </a:defRPr>
-            </a:lvl1pPr>
-          </a:lstStyle>
-          <a:p>
-            <a:fld id="{BCC18F51-09EC-435C-A3BA-64A766E099C0}" type="datetimeFigureOut">
-              <a:rPr lang="ru-RU" smtClean="0"/>
-              <a:t>08.12.2012</a:t>
-            </a:fld>
-            <a:endParaRPr lang="ru-RU"/>
-          </a:p>
-        </p:txBody>
-      </p:sp>
-      <p:sp>
-        <p:nvSpPr>
-          <p:cNvPr id="5" name="Footer Placeholder 4"/>
-          <p:cNvSpPr>
-            <a:spLocks noGrp="1"/>
-          </p:cNvSpPr>
-          <p:nvPr>
-            <p:ph type="ftr" sz="quarter" idx="3"/>
-          </p:nvPr>
-        </p:nvSpPr>
-        <p:spPr>
-          <a:xfrm>
-            <a:off x="3031547" y="6356351"/>
-            <a:ext cx="3086100" cy="365125"/>
-          </a:xfrm>
-          <a:prstGeom prst="rect">
-            <a:avLst/>
-          </a:prstGeom>
-        </p:spPr>
-        <p:txBody>
-          <a:bodyPr vert="horz" lIns="91440" tIns="45720" rIns="91440" bIns="45720" rtlCol="0" anchor="ctr"/>
-          <a:lstStyle>
-            <a:lvl1pPr algn="ctr">
-              <a:defRPr sz="1100">
-                <a:solidFill>
-                  <a:schemeClr val="tx1">
-                    <a:lumMod val="65000"/>
-                    <a:lumOff val="35000"/>
-                  </a:schemeClr>
-                </a:solidFill>
-              </a:defRPr>
-            </a:lvl1pPr>
-          </a:lstStyle>
-          <a:p>
-            <a:endParaRPr lang="ru-RU"/>
-          </a:p>
-        </p:txBody>
-      </p:sp>
-      <p:sp>
-        <p:nvSpPr>
-          <p:cNvPr id="6" name="Slide Number Placeholder 5"/>
-          <p:cNvSpPr>
-            <a:spLocks noGrp="1"/>
-          </p:cNvSpPr>
-          <p:nvPr>
-            <p:ph type="sldNum" sz="quarter" idx="4"/>
-          </p:nvPr>
-        </p:nvSpPr>
-        <p:spPr>
-          <a:xfrm>
-            <a:off x="6400800" y="6356351"/>
-            <a:ext cx="2057400" cy="365125"/>
-          </a:xfrm>
-          <a:prstGeom prst="rect">
-            <a:avLst/>
-          </a:prstGeom>
-        </p:spPr>
-        <p:txBody>
-          <a:bodyPr vert="horz" lIns="91440" tIns="45720" rIns="91440" bIns="45720" rtlCol="0" anchor="ctr"/>
-          <a:lstStyle>
-            <a:lvl1pPr algn="r">
-              <a:defRPr sz="1100">
+              <a:defRPr sz="1200">
                 <a:solidFill>
                   <a:schemeClr val="tx1">
                     <a:tint val="75000"/>
@@ -3124,6 +3014,84 @@
             </a:lvl1pPr>
           </a:lstStyle>
           <a:p>
+            <a:fld id="{BCC18F51-09EC-435C-A3BA-64A766E099C0}" type="datetimeFigureOut">
+              <a:rPr lang="ru-RU" smtClean="0"/>
+              <a:t>30.10.2013</a:t>
+            </a:fld>
+            <a:endParaRPr lang="ru-RU"/>
+          </a:p>
+        </p:txBody>
+      </p:sp>
+      <p:sp>
+        <p:nvSpPr>
+          <p:cNvPr id="5" name="Footer Placeholder 4"/>
+          <p:cNvSpPr>
+            <a:spLocks noGrp="1"/>
+          </p:cNvSpPr>
+          <p:nvPr>
+            <p:ph type="ftr" sz="quarter" idx="3"/>
+          </p:nvPr>
+        </p:nvSpPr>
+        <p:spPr>
+          <a:xfrm>
+            <a:off x="4038600" y="6356350"/>
+            <a:ext cx="4114800" cy="365125"/>
+          </a:xfrm>
+          <a:prstGeom prst="rect">
+            <a:avLst/>
+          </a:prstGeom>
+        </p:spPr>
+        <p:txBody>
+          <a:bodyPr vert="horz" lIns="91440" tIns="45720" rIns="91440" bIns="45720" rtlCol="0" anchor="ctr"/>
+          <a:lstStyle>
+            <a:lvl1pPr algn="ctr">
+              <a:defRPr sz="1200">
+                <a:solidFill>
+                  <a:schemeClr val="tx1">
+                    <a:tint val="75000"/>
+                  </a:schemeClr>
+                </a:solidFill>
+              </a:defRPr>
+            </a:lvl1pPr>
+          </a:lstStyle>
+          <a:p>
+            <a:endParaRPr lang="ru-RU"/>
+          </a:p>
+        </p:txBody>
+      </p:sp>
+      <p:sp>
+        <p:nvSpPr>
+          <p:cNvPr id="6" name="Slide Number Placeholder 5"/>
+          <p:cNvSpPr>
+            <a:spLocks noGrp="1"/>
+          </p:cNvSpPr>
+          <p:nvPr>
+            <p:ph type="sldNum" sz="quarter" idx="4"/>
+          </p:nvPr>
+        </p:nvSpPr>
+        <p:spPr>
+          <a:xfrm>
+            <a:off x="8610600" y="6356350"/>
+            <a:ext cx="2743200" cy="365125"/>
+          </a:xfrm>
+          <a:prstGeom prst="rect">
+            <a:avLst/>
+          </a:prstGeom>
+        </p:spPr>
+        <p:txBody>
+          <a:bodyPr vert="horz" lIns="91440" tIns="45720" rIns="91440" bIns="45720" rtlCol="0" anchor="ctr"/>
+          <a:lstStyle>
+            <a:lvl1pPr algn="r">
+              <a:defRPr sz="1200">
+                <a:solidFill>
+                  <a:schemeClr val="tx1">
+                    <a:tint val="75000"/>
+                  </a:schemeClr>
+                </a:solidFill>
+              </a:defRPr>
+            </a:lvl1pPr>
+          </a:lstStyle>
+          <a:p>
             <a:fld id="{08395586-F03A-48D1-94DF-16B239DF4FB5}" type="slidenum">
               <a:rPr lang="ru-RU" smtClean="0"/>
               <a:t>‹#›</a:t>
@@ -3135,23 +3103,23 @@
     </p:spTree>
     <p:extLst>
       <p:ext uri="{BB962C8B-B14F-4D97-AF65-F5344CB8AC3E}">
-        <p14:creationId xmlns:p14="http://schemas.microsoft.com/office/powerpoint/2010/main" val="1072646865"/>
+        <p14:creationId xmlns:p14="http://schemas.microsoft.com/office/powerpoint/2010/main" val="4124136512"/>
       </p:ext>
     </p:extLst>
   </p:cSld>
   <p:clrMap bg1="lt1" tx1="dk1" bg2="lt2" tx2="dk2" accent1="accent1" accent2="accent2" accent3="accent3" accent4="accent4" accent5="accent5" accent6="accent6" hlink="hlink" folHlink="folHlink"/>
   <p:sldLayoutIdLst>
-    <p:sldLayoutId id="2147483661" r:id="rId1"/>
-    <p:sldLayoutId id="2147483662" r:id="rId2"/>
-    <p:sldLayoutId id="2147483663" r:id="rId3"/>
-    <p:sldLayoutId id="2147483664" r:id="rId4"/>
-    <p:sldLayoutId id="2147483665" r:id="rId5"/>
-    <p:sldLayoutId id="2147483666" r:id="rId6"/>
-    <p:sldLayoutId id="2147483667" r:id="rId7"/>
-    <p:sldLayoutId id="2147483668" r:id="rId8"/>
-    <p:sldLayoutId id="2147483669" r:id="rId9"/>
-    <p:sldLayoutId id="2147483670" r:id="rId10"/>
-    <p:sldLayoutId id="2147483671" r:id="rId11"/>
+    <p:sldLayoutId id="2147483673" r:id="rId1"/>
+    <p:sldLayoutId id="2147483674" r:id="rId2"/>
+    <p:sldLayoutId id="2147483675" r:id="rId3"/>
+    <p:sldLayoutId id="2147483676" r:id="rId4"/>
+    <p:sldLayoutId id="2147483677" r:id="rId5"/>
+    <p:sldLayoutId id="2147483678" r:id="rId6"/>
+    <p:sldLayoutId id="2147483679" r:id="rId7"/>
+    <p:sldLayoutId id="2147483680" r:id="rId8"/>
+    <p:sldLayoutId id="2147483681" r:id="rId9"/>
+    <p:sldLayoutId id="2147483682" r:id="rId10"/>
+    <p:sldLayoutId id="2147483683" r:id="rId11"/>
   </p:sldLayoutIdLst>
   <p:txStyles>
     <p:titleStyle>
@@ -3181,8 +3149,8 @@
         <a:spcBef>
           <a:spcPts val="1000"/>
         </a:spcBef>
-        <a:buFont typeface="Wingdings" pitchFamily="18" charset="2"/>
-        <a:buChar char=""/>
+        <a:buFont typeface="Arial" panose="020B0604020202020204" pitchFamily="34" charset="0"/>
+        <a:buChar char="•"/>
         <a:defRPr sz="2800" kern="1200">
           <a:solidFill>
             <a:schemeClr val="tx1"/>
@@ -3199,8 +3167,8 @@
         <a:spcBef>
           <a:spcPts val="500"/>
         </a:spcBef>
-        <a:buFont typeface="Courier New" panose="02070309020205020404" pitchFamily="49" charset="0"/>
-        <a:buChar char="o"/>
+        <a:buFont typeface="Arial" panose="020B0604020202020204" pitchFamily="34" charset="0"/>
+        <a:buChar char="•"/>
         <a:defRPr sz="2400" kern="1200">
           <a:solidFill>
             <a:schemeClr val="tx1"/>
@@ -3217,8 +3185,8 @@
         <a:spcBef>
           <a:spcPts val="500"/>
         </a:spcBef>
-        <a:buFont typeface="Wingdings" panose="05000000000000000000" pitchFamily="2" charset="2"/>
-        <a:buChar char="§"/>
+        <a:buFont typeface="Arial" panose="020B0604020202020204" pitchFamily="34" charset="0"/>
+        <a:buChar char="•"/>
         <a:defRPr sz="2000" kern="1200">
           <a:solidFill>
             <a:schemeClr val="tx1"/>
@@ -3235,8 +3203,8 @@
         <a:spcBef>
           <a:spcPts val="500"/>
         </a:spcBef>
-        <a:buFont typeface="Wingdings" pitchFamily="18" charset="2"/>
-        <a:buChar char=""/>
+        <a:buFont typeface="Arial" panose="020B0604020202020204" pitchFamily="34" charset="0"/>
+        <a:buChar char="•"/>
         <a:defRPr sz="1800" kern="1200">
           <a:solidFill>
             <a:schemeClr val="tx1"/>
@@ -3253,8 +3221,8 @@
         <a:spcBef>
           <a:spcPts val="500"/>
         </a:spcBef>
-        <a:buFont typeface="Courier New" panose="02070309020205020404" pitchFamily="49" charset="0"/>
-        <a:buChar char="o"/>
+        <a:buFont typeface="Arial" panose="020B0604020202020204" pitchFamily="34" charset="0"/>
+        <a:buChar char="•"/>
         <a:defRPr sz="1800" kern="1200">
           <a:solidFill>
             <a:schemeClr val="tx1"/>
@@ -3265,11 +3233,14 @@
         </a:defRPr>
       </a:lvl5pPr>
       <a:lvl6pPr marL="2514600" indent="-228600" algn="l" defTabSz="914400" rtl="0" eaLnBrk="1" latinLnBrk="0" hangingPunct="1">
+        <a:lnSpc>
+          <a:spcPct val="90000"/>
+        </a:lnSpc>
         <a:spcBef>
-          <a:spcPct val="20000"/>
+          <a:spcPts val="500"/>
         </a:spcBef>
-        <a:buFont typeface="Wingdings" pitchFamily="18" charset="2"/>
-        <a:buChar char=""/>
+        <a:buFont typeface="Arial" panose="020B0604020202020204" pitchFamily="34" charset="0"/>
+        <a:buChar char="•"/>
         <a:defRPr sz="1800" kern="1200">
           <a:solidFill>
             <a:schemeClr val="tx1"/>
@@ -3280,11 +3251,14 @@
         </a:defRPr>
       </a:lvl6pPr>
       <a:lvl7pPr marL="2971800" indent="-228600" algn="l" defTabSz="914400" rtl="0" eaLnBrk="1" latinLnBrk="0" hangingPunct="1">
+        <a:lnSpc>
+          <a:spcPct val="90000"/>
+        </a:lnSpc>
         <a:spcBef>
-          <a:spcPct val="20000"/>
+          <a:spcPts val="500"/>
         </a:spcBef>
-        <a:buFont typeface="Wingdings" pitchFamily="18" charset="2"/>
-        <a:buChar char=""/>
+        <a:buFont typeface="Arial" panose="020B0604020202020204" pitchFamily="34" charset="0"/>
+        <a:buChar char="•"/>
         <a:defRPr sz="1800" kern="1200">
           <a:solidFill>
             <a:schemeClr val="tx1"/>
@@ -3295,11 +3269,14 @@
         </a:defRPr>
       </a:lvl7pPr>
       <a:lvl8pPr marL="3429000" indent="-228600" algn="l" defTabSz="914400" rtl="0" eaLnBrk="1" latinLnBrk="0" hangingPunct="1">
+        <a:lnSpc>
+          <a:spcPct val="90000"/>
+        </a:lnSpc>
         <a:spcBef>
-          <a:spcPct val="20000"/>
+          <a:spcPts val="500"/>
         </a:spcBef>
-        <a:buFont typeface="Wingdings" pitchFamily="18" charset="2"/>
-        <a:buChar char=""/>
+        <a:buFont typeface="Arial" panose="020B0604020202020204" pitchFamily="34" charset="0"/>
+        <a:buChar char="•"/>
         <a:defRPr sz="1800" kern="1200">
           <a:solidFill>
             <a:schemeClr val="tx1"/>
@@ -3310,11 +3287,14 @@
         </a:defRPr>
       </a:lvl8pPr>
       <a:lvl9pPr marL="3886200" indent="-228600" algn="l" defTabSz="914400" rtl="0" eaLnBrk="1" latinLnBrk="0" hangingPunct="1">
+        <a:lnSpc>
+          <a:spcPct val="90000"/>
+        </a:lnSpc>
         <a:spcBef>
-          <a:spcPct val="20000"/>
+          <a:spcPts val="500"/>
         </a:spcBef>
-        <a:buFont typeface="Wingdings" pitchFamily="18" charset="2"/>
-        <a:buChar char=""/>
+        <a:buFont typeface="Arial" panose="020B0604020202020204" pitchFamily="34" charset="0"/>
+        <a:buChar char="•"/>
         <a:defRPr sz="1800" kern="1200">
           <a:solidFill>
             <a:schemeClr val="tx1"/>
@@ -3456,7 +3436,7 @@
           <a:bodyPr/>
           <a:lstStyle/>
           <a:p>
-            <a:endParaRPr lang="ru-RU"/>
+            <a:endParaRPr lang="ru-RU" dirty="0"/>
           </a:p>
         </p:txBody>
       </p:sp>
@@ -3475,7 +3455,7 @@
           <a:bodyPr/>
           <a:lstStyle/>
           <a:p>
-            <a:endParaRPr lang="ru-RU"/>
+            <a:endParaRPr lang="ru-RU" dirty="0"/>
           </a:p>
         </p:txBody>
       </p:sp>
@@ -3495,7 +3475,7 @@
 <file path=ppt/theme/theme1.xml><?xml version="1.0" encoding="utf-8"?>
 <a:theme xmlns:a="http://schemas.openxmlformats.org/drawingml/2006/main" name="Office Theme">
   <a:themeElements>
-    <a:clrScheme name="Office">
+    <a:clrScheme name="Office Theme">
       <a:dk1>
         <a:sysClr val="windowText" lastClr="000000"/>
       </a:dk1>
@@ -3533,18 +3513,53 @@
         <a:srgbClr val="954F72"/>
       </a:folHlink>
     </a:clrScheme>
-    <a:fontScheme name="Arial">
+    <a:fontScheme name="Office Theme">
       <a:majorFont>
-        <a:latin typeface="Arial" panose="020B0604020202020204"/>
+        <a:latin typeface="Arial" panose="020F0302020204030204"/>
         <a:ea typeface=""/>
         <a:cs typeface=""/>
-        <a:font script="Jpan" typeface="ＭＳ ゴシック"/>
+        <a:font script="Jpan" typeface="ＭＳ Ｐゴシック"/>
         <a:font script="Hang" typeface="맑은 고딕"/>
         <a:font script="Hans" typeface="宋体"/>
         <a:font script="Hant" typeface="新細明體"/>
-        <a:font script="Arab" typeface="Tahoma"/>
-        <a:font script="Hebr" typeface="Gisha"/>
-        <a:font script="Thai" typeface="DilleniaUPC"/>
+        <a:font script="Arab" typeface="Times New Roman"/>
+        <a:font script="Hebr" typeface="Times New Roman"/>
+        <a:font script="Thai" typeface="Angsana New"/>
+        <a:font script="Ethi" typeface="Nyala"/>
+        <a:font script="Beng" typeface="Vrinda"/>
+        <a:font script="Gujr" typeface="Shruti"/>
+        <a:font script="Khmr" typeface="MoolBoran"/>
+        <a:font script="Knda" typeface="Tunga"/>
+        <a:font script="Guru" typeface="Raavi"/>
+        <a:font script="Cans" typeface="Euphemia"/>
+        <a:font script="Cher" typeface="Plantagenet Cherokee"/>
+        <a:font script="Yiii" typeface="Microsoft Yi Baiti"/>
+        <a:font script="Tibt" typeface="Microsoft Himalaya"/>
+        <a:font script="Thaa" typeface="MV Boli"/>
+        <a:font script="Deva" typeface="Mangal"/>
+        <a:font script="Telu" typeface="Gautami"/>
+        <a:font script="Taml" typeface="Latha"/>
+        <a:font script="Syrc" typeface="Estrangelo Edessa"/>
+        <a:font script="Orya" typeface="Kalinga"/>
+        <a:font script="Mlym" typeface="Kartika"/>
+        <a:font script="Laoo" typeface="DokChampa"/>
+        <a:font script="Sinh" typeface="Iskoola Pota"/>
+        <a:font script="Mong" typeface="Mongolian Baiti"/>
+        <a:font script="Viet" typeface="Times New Roman"/>
+        <a:font script="Uigh" typeface="Microsoft Uighur"/>
+        <a:font script="Geor" typeface="Sylfaen"/>
+      </a:majorFont>
+      <a:minorFont>
+        <a:latin typeface="Arial" panose="020F0502020204030204"/>
+        <a:ea typeface=""/>
+        <a:cs typeface=""/>
+        <a:font script="Jpan" typeface="ＭＳ Ｐゴシック"/>
+        <a:font script="Hang" typeface="맑은 고딕"/>
+        <a:font script="Hans" typeface="宋体"/>
+        <a:font script="Hant" typeface="新細明體"/>
+        <a:font script="Arab" typeface="Arial"/>
+        <a:font script="Hebr" typeface="Arial"/>
+        <a:font script="Thai" typeface="Cordia New"/>
         <a:font script="Ethi" typeface="Nyala"/>
         <a:font script="Beng" typeface="Vrinda"/>
         <a:font script="Gujr" typeface="Shruti"/>
@@ -3565,47 +3580,12 @@
         <a:font script="Laoo" typeface="DokChampa"/>
         <a:font script="Sinh" typeface="Iskoola Pota"/>
         <a:font script="Mong" typeface="Mongolian Baiti"/>
-        <a:font script="Viet" typeface="Tahoma"/>
-        <a:font script="Uigh" typeface="Microsoft Uighur"/>
-        <a:font script="Geor" typeface="Sylfaen"/>
-      </a:majorFont>
-      <a:minorFont>
-        <a:latin typeface="Arial" panose="020B0604020202020204"/>
-        <a:ea typeface=""/>
-        <a:cs typeface=""/>
-        <a:font script="Jpan" typeface="ＭＳ ゴシック"/>
-        <a:font script="Hang" typeface="맑은 고딕"/>
-        <a:font script="Hans" typeface="宋体"/>
-        <a:font script="Hant" typeface="新細明體"/>
-        <a:font script="Arab" typeface="Tahoma"/>
-        <a:font script="Hebr" typeface="Gisha"/>
-        <a:font script="Thai" typeface="DilleniaUPC"/>
-        <a:font script="Ethi" typeface="Nyala"/>
-        <a:font script="Beng" typeface="Vrinda"/>
-        <a:font script="Gujr" typeface="Shruti"/>
-        <a:font script="Khmr" typeface="DaunPenh"/>
-        <a:font script="Knda" typeface="Tunga"/>
-        <a:font script="Guru" typeface="Raavi"/>
-        <a:font script="Cans" typeface="Euphemia"/>
-        <a:font script="Cher" typeface="Plantagenet Cherokee"/>
-        <a:font script="Yiii" typeface="Microsoft Yi Baiti"/>
-        <a:font script="Tibt" typeface="Microsoft Himalaya"/>
-        <a:font script="Thaa" typeface="MV Boli"/>
-        <a:font script="Deva" typeface="Mangal"/>
-        <a:font script="Telu" typeface="Gautami"/>
-        <a:font script="Taml" typeface="Latha"/>
-        <a:font script="Syrc" typeface="Estrangelo Edessa"/>
-        <a:font script="Orya" typeface="Kalinga"/>
-        <a:font script="Mlym" typeface="Kartika"/>
-        <a:font script="Laoo" typeface="DokChampa"/>
-        <a:font script="Sinh" typeface="Iskoola Pota"/>
-        <a:font script="Mong" typeface="Mongolian Baiti"/>
-        <a:font script="Viet" typeface="Verdana"/>
+        <a:font script="Viet" typeface="Arial"/>
         <a:font script="Uigh" typeface="Microsoft Uighur"/>
         <a:font script="Geor" typeface="Sylfaen"/>
       </a:minorFont>
     </a:fontScheme>
-    <a:fmtScheme name="Office">
+    <a:fmtScheme name="Office Theme">
       <a:fillStyleLst>
         <a:solidFill>
           <a:schemeClr val="phClr"/>
@@ -3614,23 +3594,23 @@
           <a:gsLst>
             <a:gs pos="0">
               <a:schemeClr val="phClr">
+                <a:lumMod val="110000"/>
+                <a:satMod val="105000"/>
                 <a:tint val="67000"/>
-                <a:satMod val="105000"/>
-                <a:lumMod val="110000"/>
               </a:schemeClr>
             </a:gs>
             <a:gs pos="50000">
               <a:schemeClr val="phClr">
+                <a:lumMod val="105000"/>
+                <a:satMod val="103000"/>
                 <a:tint val="73000"/>
-                <a:satMod val="103000"/>
-                <a:lumMod val="105000"/>
               </a:schemeClr>
             </a:gs>
             <a:gs pos="100000">
               <a:schemeClr val="phClr">
+                <a:lumMod val="105000"/>
+                <a:satMod val="109000"/>
                 <a:tint val="81000"/>
-                <a:satMod val="109000"/>
-                <a:lumMod val="105000"/>
               </a:schemeClr>
             </a:gs>
           </a:gsLst>
@@ -3640,23 +3620,23 @@
           <a:gsLst>
             <a:gs pos="0">
               <a:schemeClr val="phClr">
-                <a:tint val="94000"/>
                 <a:satMod val="103000"/>
                 <a:lumMod val="102000"/>
+                <a:tint val="94000"/>
               </a:schemeClr>
             </a:gs>
             <a:gs pos="50000">
               <a:schemeClr val="phClr">
-                <a:shade val="100000"/>
                 <a:satMod val="110000"/>
                 <a:lumMod val="100000"/>
+                <a:shade val="100000"/>
               </a:schemeClr>
             </a:gs>
             <a:gs pos="100000">
               <a:schemeClr val="phClr">
+                <a:lumMod val="99000"/>
+                <a:satMod val="120000"/>
                 <a:shade val="78000"/>
-                <a:satMod val="120000"/>
-                <a:lumMod val="99000"/>
               </a:schemeClr>
             </a:gs>
           </a:gsLst>
@@ -3669,18 +3649,21 @@
             <a:schemeClr val="phClr"/>
           </a:solidFill>
           <a:prstDash val="solid"/>
+          <a:miter lim="800000"/>
         </a:ln>
         <a:ln w="12700" cap="flat" cmpd="sng" algn="ctr">
           <a:solidFill>
             <a:schemeClr val="phClr"/>
           </a:solidFill>
           <a:prstDash val="solid"/>
+          <a:miter lim="800000"/>
         </a:ln>
         <a:ln w="19050" cap="flat" cmpd="sng" algn="ctr">
           <a:solidFill>
             <a:schemeClr val="phClr"/>
           </a:solidFill>
           <a:prstDash val="solid"/>
+          <a:miter lim="800000"/>
         </a:ln>
       </a:lnStyleLst>
       <a:effectStyleLst>
@@ -3715,16 +3698,16 @@
             <a:gs pos="0">
               <a:schemeClr val="phClr">
                 <a:tint val="93000"/>
+                <a:satMod val="150000"/>
                 <a:shade val="98000"/>
-                <a:satMod val="150000"/>
                 <a:lumMod val="102000"/>
               </a:schemeClr>
             </a:gs>
             <a:gs pos="50000">
               <a:schemeClr val="phClr">
                 <a:tint val="98000"/>
+                <a:satMod val="130000"/>
                 <a:shade val="90000"/>
-                <a:satMod val="130000"/>
                 <a:lumMod val="103000"/>
               </a:schemeClr>
             </a:gs>
